--- a/Review3.pptx
+++ b/Review3.pptx
@@ -7187,12 +7187,12 @@
     <dgm:cxn modelId="{2D2AE614-9EC4-B846-A7DD-6106D19F40CA}" type="presOf" srcId="{E3101CD3-4191-1C43-87B1-92EEA8D0ACCD}" destId="{64D474B9-387B-464C-9E26-BD952E83BD7E}" srcOrd="0" destOrd="0" presId="urn:microsoft.com/office/officeart/2005/8/layout/hList1"/>
     <dgm:cxn modelId="{B901CB21-DB9E-F743-A96E-0F9FA8E138CB}" srcId="{49A7B1C3-8047-0546-9635-856C66A860F2}" destId="{7C602AB3-C612-2745-998C-8E79ECE18660}" srcOrd="1" destOrd="0" parTransId="{1FFD735D-FCA2-014A-9F7D-29E2C5037466}" sibTransId="{0426CFAC-208A-8C4C-B227-393722A807F8}"/>
     <dgm:cxn modelId="{0BA22F23-5C40-EA48-A740-BAC21194B1CC}" srcId="{49A7B1C3-8047-0546-9635-856C66A860F2}" destId="{E3101CD3-4191-1C43-87B1-92EEA8D0ACCD}" srcOrd="0" destOrd="0" parTransId="{F1035EE1-7B06-6645-9B06-D630205C7AD6}" sibTransId="{6CA61DF2-74C4-7943-8079-F4F44E4E2FEB}"/>
-    <dgm:cxn modelId="{5E05F45C-F71F-FF43-862A-4469D50A17F9}" type="presOf" srcId="{BE441B73-79AF-6246-8F96-C93195426061}" destId="{64D474B9-387B-464C-9E26-BD952E83BD7E}" srcOrd="0" destOrd="2" presId="urn:microsoft.com/office/officeart/2005/8/layout/hList1"/>
-    <dgm:cxn modelId="{93D5A564-22BD-DB41-98E4-1D2DB99BDF81}" srcId="{CF29692A-8328-8540-9C20-D64EC467CE6F}" destId="{9B4ABB85-BC22-634D-B804-8B0091A3B14C}" srcOrd="1" destOrd="0" parTransId="{C0B41DF3-569E-FA46-8D42-6CEA8D9A791C}" sibTransId="{0D52A8C1-EBA2-0B46-8CC6-64603C3BCC24}"/>
     <dgm:cxn modelId="{0B921D48-C17D-F344-8A60-30D3340D88B4}" type="presOf" srcId="{E03EA793-7892-A346-96E2-08E9AB3A5557}" destId="{B430F6FB-9CF9-334B-815B-E5CDA9993C24}" srcOrd="0" destOrd="1" presId="urn:microsoft.com/office/officeart/2005/8/layout/hList1"/>
     <dgm:cxn modelId="{3194294A-316E-AD45-970E-F984E4653F6D}" srcId="{49A7B1C3-8047-0546-9635-856C66A860F2}" destId="{2CF699A2-4028-AA47-810F-94D3372206A1}" srcOrd="3" destOrd="0" parTransId="{00FA7B85-EF6E-9A47-A2AC-E4FB54EE7FF3}" sibTransId="{6AD15E4D-0ED3-BE40-A1B1-829B6C7FB3F1}"/>
     <dgm:cxn modelId="{9790244C-971E-8F46-B0E4-B0F26F5AAA91}" type="presOf" srcId="{1C90CFA4-7871-F04D-B069-FD6B3627AF00}" destId="{B430F6FB-9CF9-334B-815B-E5CDA9993C24}" srcOrd="0" destOrd="0" presId="urn:microsoft.com/office/officeart/2005/8/layout/hList1"/>
     <dgm:cxn modelId="{BBA59553-35DC-474C-93F5-A80A2016E3A8}" type="presOf" srcId="{9B4ABB85-BC22-634D-B804-8B0091A3B14C}" destId="{3480E15F-16F3-944E-8287-881F91CBAF37}" srcOrd="0" destOrd="0" presId="urn:microsoft.com/office/officeart/2005/8/layout/hList1"/>
+    <dgm:cxn modelId="{5E05F45C-F71F-FF43-862A-4469D50A17F9}" type="presOf" srcId="{BE441B73-79AF-6246-8F96-C93195426061}" destId="{64D474B9-387B-464C-9E26-BD952E83BD7E}" srcOrd="0" destOrd="2" presId="urn:microsoft.com/office/officeart/2005/8/layout/hList1"/>
+    <dgm:cxn modelId="{93D5A564-22BD-DB41-98E4-1D2DB99BDF81}" srcId="{CF29692A-8328-8540-9C20-D64EC467CE6F}" destId="{9B4ABB85-BC22-634D-B804-8B0091A3B14C}" srcOrd="1" destOrd="0" parTransId="{C0B41DF3-569E-FA46-8D42-6CEA8D9A791C}" sibTransId="{0D52A8C1-EBA2-0B46-8CC6-64603C3BCC24}"/>
     <dgm:cxn modelId="{9F975984-679E-2F40-A892-AD4570911C5D}" srcId="{9B4ABB85-BC22-634D-B804-8B0091A3B14C}" destId="{1C90CFA4-7871-F04D-B069-FD6B3627AF00}" srcOrd="0" destOrd="0" parTransId="{51415557-7A24-9A44-8C0B-59697B156E87}" sibTransId="{62ACE7B1-DB0A-0849-9174-BE118721BF52}"/>
     <dgm:cxn modelId="{FFABD68A-53F5-1C48-AEEE-03B95E79C957}" srcId="{49A7B1C3-8047-0546-9635-856C66A860F2}" destId="{BE441B73-79AF-6246-8F96-C93195426061}" srcOrd="2" destOrd="0" parTransId="{DA3D82E1-CEC4-EF44-B109-26C56F038590}" sibTransId="{4F6BEB78-4E8A-6A46-AE9F-FB9DE48876DB}"/>
     <dgm:cxn modelId="{97BF5E93-FC22-A942-974A-1F9C9B2545B3}" type="presOf" srcId="{7C602AB3-C612-2745-998C-8E79ECE18660}" destId="{64D474B9-387B-464C-9E26-BD952E83BD7E}" srcOrd="0" destOrd="1" presId="urn:microsoft.com/office/officeart/2005/8/layout/hList1"/>
@@ -7538,8 +7538,8 @@
     <dgm:cxn modelId="{10D09422-5E01-5C48-8B2A-EDA926CA8C4F}" type="presOf" srcId="{AE3A7846-D187-7948-B9DD-A5275E199652}" destId="{5D20ECD7-994F-47F0-9BCB-63AA25556FB7}" srcOrd="0" destOrd="0" presId="urn:microsoft.com/office/officeart/2005/8/layout/list1"/>
     <dgm:cxn modelId="{05C03B2B-9B0A-FF4F-AF40-ADE591B8FB02}" srcId="{39F7BA53-B911-46DA-988A-3676358B2E02}" destId="{23A32841-0312-CF42-90B3-DBE242ED447C}" srcOrd="1" destOrd="0" parTransId="{73AC70E0-F3B0-604B-9A4F-93328C18A7CF}" sibTransId="{CDA197AA-C1A2-574D-B932-EA17A66DDCD6}"/>
     <dgm:cxn modelId="{98EF0C2D-49E5-4973-99B8-3A7AB7273CB7}" srcId="{FE57310B-E39A-4167-98DD-6AD8EC1F0FDC}" destId="{404A1E1B-2457-45D9-811B-08BE229A926A}" srcOrd="0" destOrd="0" parTransId="{32B9844B-B0D0-43A7-B675-5F8513CE1563}" sibTransId="{8A7211E6-17FA-4F99-9791-615553E1A5DB}"/>
+    <dgm:cxn modelId="{E299214F-84D8-46C1-952F-5350CCE39BAF}" type="presOf" srcId="{39F7BA53-B911-46DA-988A-3676358B2E02}" destId="{A3E91F2F-9638-451C-8CC8-58CEC0FE746C}" srcOrd="0" destOrd="0" presId="urn:microsoft.com/office/officeart/2005/8/layout/list1"/>
     <dgm:cxn modelId="{2FF7D462-E62C-F44C-BFC8-650BD745C8F7}" srcId="{FE57310B-E39A-4167-98DD-6AD8EC1F0FDC}" destId="{A60FD0D6-1D0F-9144-B1AB-B0F7E1C43D2F}" srcOrd="1" destOrd="0" parTransId="{E13D5EA5-BE78-9441-A167-8CF12CD81E23}" sibTransId="{4D57C24B-2910-1A4A-8EE9-8256CE0ADC40}"/>
-    <dgm:cxn modelId="{E299214F-84D8-46C1-952F-5350CCE39BAF}" type="presOf" srcId="{39F7BA53-B911-46DA-988A-3676358B2E02}" destId="{A3E91F2F-9638-451C-8CC8-58CEC0FE746C}" srcOrd="0" destOrd="0" presId="urn:microsoft.com/office/officeart/2005/8/layout/list1"/>
     <dgm:cxn modelId="{5ED0897E-D2F0-4035-880B-DBFC50BBAE49}" type="presOf" srcId="{39F7BA53-B911-46DA-988A-3676358B2E02}" destId="{A7DB48AB-89C3-46A6-A133-5D84324A7595}" srcOrd="1" destOrd="0" presId="urn:microsoft.com/office/officeart/2005/8/layout/list1"/>
     <dgm:cxn modelId="{47CA4196-9F01-49D4-9373-CEF021FFA2DD}" type="presOf" srcId="{FE57310B-E39A-4167-98DD-6AD8EC1F0FDC}" destId="{1E8EA7FC-367F-40D3-BDDF-F44DD6D054F1}" srcOrd="0" destOrd="0" presId="urn:microsoft.com/office/officeart/2005/8/layout/list1"/>
     <dgm:cxn modelId="{7A084797-0A5F-ED48-9AB5-D2A39A144AAA}" type="presOf" srcId="{A60FD0D6-1D0F-9144-B1AB-B0F7E1C43D2F}" destId="{931D6A6E-93EC-4819-9B97-AC40EFE1491B}" srcOrd="0" destOrd="1" presId="urn:microsoft.com/office/officeart/2005/8/layout/list1"/>
@@ -24200,7 +24200,7 @@
           <a:p>
             <a:fld id="{14BAB751-4EFE-4D1A-B5AD-3040FD38AFAB}" type="datetimeFigureOut">
               <a:rPr lang="fr-FR" smtClean="0"/>
-              <a:t>10/01/2022</a:t>
+              <a:t>24/01/2022</a:t>
             </a:fld>
             <a:endParaRPr lang="fr-FR"/>
           </a:p>
@@ -24398,7 +24398,7 @@
           <a:p>
             <a:fld id="{14BAB751-4EFE-4D1A-B5AD-3040FD38AFAB}" type="datetimeFigureOut">
               <a:rPr lang="fr-FR" smtClean="0"/>
-              <a:t>10/01/2022</a:t>
+              <a:t>24/01/2022</a:t>
             </a:fld>
             <a:endParaRPr lang="fr-FR"/>
           </a:p>
@@ -24606,7 +24606,7 @@
           <a:p>
             <a:fld id="{14BAB751-4EFE-4D1A-B5AD-3040FD38AFAB}" type="datetimeFigureOut">
               <a:rPr lang="fr-FR" smtClean="0"/>
-              <a:t>10/01/2022</a:t>
+              <a:t>24/01/2022</a:t>
             </a:fld>
             <a:endParaRPr lang="fr-FR"/>
           </a:p>
@@ -24804,7 +24804,7 @@
           <a:p>
             <a:fld id="{14BAB751-4EFE-4D1A-B5AD-3040FD38AFAB}" type="datetimeFigureOut">
               <a:rPr lang="fr-FR" smtClean="0"/>
-              <a:t>10/01/2022</a:t>
+              <a:t>24/01/2022</a:t>
             </a:fld>
             <a:endParaRPr lang="fr-FR"/>
           </a:p>
@@ -25079,7 +25079,7 @@
           <a:p>
             <a:fld id="{14BAB751-4EFE-4D1A-B5AD-3040FD38AFAB}" type="datetimeFigureOut">
               <a:rPr lang="fr-FR" smtClean="0"/>
-              <a:t>10/01/2022</a:t>
+              <a:t>24/01/2022</a:t>
             </a:fld>
             <a:endParaRPr lang="fr-FR"/>
           </a:p>
@@ -25344,7 +25344,7 @@
           <a:p>
             <a:fld id="{14BAB751-4EFE-4D1A-B5AD-3040FD38AFAB}" type="datetimeFigureOut">
               <a:rPr lang="fr-FR" smtClean="0"/>
-              <a:t>10/01/2022</a:t>
+              <a:t>24/01/2022</a:t>
             </a:fld>
             <a:endParaRPr lang="fr-FR"/>
           </a:p>
@@ -25756,7 +25756,7 @@
           <a:p>
             <a:fld id="{14BAB751-4EFE-4D1A-B5AD-3040FD38AFAB}" type="datetimeFigureOut">
               <a:rPr lang="fr-FR" smtClean="0"/>
-              <a:t>10/01/2022</a:t>
+              <a:t>24/01/2022</a:t>
             </a:fld>
             <a:endParaRPr lang="fr-FR"/>
           </a:p>
@@ -25897,7 +25897,7 @@
           <a:p>
             <a:fld id="{14BAB751-4EFE-4D1A-B5AD-3040FD38AFAB}" type="datetimeFigureOut">
               <a:rPr lang="fr-FR" smtClean="0"/>
-              <a:t>10/01/2022</a:t>
+              <a:t>24/01/2022</a:t>
             </a:fld>
             <a:endParaRPr lang="fr-FR"/>
           </a:p>
@@ -26010,7 +26010,7 @@
           <a:p>
             <a:fld id="{14BAB751-4EFE-4D1A-B5AD-3040FD38AFAB}" type="datetimeFigureOut">
               <a:rPr lang="fr-FR" smtClean="0"/>
-              <a:t>10/01/2022</a:t>
+              <a:t>24/01/2022</a:t>
             </a:fld>
             <a:endParaRPr lang="fr-FR"/>
           </a:p>
@@ -26321,7 +26321,7 @@
           <a:p>
             <a:fld id="{14BAB751-4EFE-4D1A-B5AD-3040FD38AFAB}" type="datetimeFigureOut">
               <a:rPr lang="fr-FR" smtClean="0"/>
-              <a:t>10/01/2022</a:t>
+              <a:t>24/01/2022</a:t>
             </a:fld>
             <a:endParaRPr lang="fr-FR"/>
           </a:p>
@@ -26609,7 +26609,7 @@
           <a:p>
             <a:fld id="{14BAB751-4EFE-4D1A-B5AD-3040FD38AFAB}" type="datetimeFigureOut">
               <a:rPr lang="fr-FR" smtClean="0"/>
-              <a:t>10/01/2022</a:t>
+              <a:t>24/01/2022</a:t>
             </a:fld>
             <a:endParaRPr lang="fr-FR"/>
           </a:p>
@@ -26850,7 +26850,7 @@
           <a:p>
             <a:fld id="{14BAB751-4EFE-4D1A-B5AD-3040FD38AFAB}" type="datetimeFigureOut">
               <a:rPr lang="fr-FR" smtClean="0"/>
-              <a:t>10/01/2022</a:t>
+              <a:t>24/01/2022</a:t>
             </a:fld>
             <a:endParaRPr lang="fr-FR"/>
           </a:p>
